--- a/Capstone3_DigitRecognition_CNN.Presentation.pptx
+++ b/Capstone3_DigitRecognition_CNN.Presentation.pptx
@@ -115,7 +115,7 @@
   </p:defaultTextStyle>
   <p:extLst>
     <p:ext uri="{EFAFB233-063F-42B5-8137-9DF3F51BA10A}">
-      <p15:sldGuideLst xmlns:p15="http://schemas.microsoft.com/office/powerpoint/2012/main" xmlns=""/>
+      <p15:sldGuideLst xmlns="" xmlns:p15="http://schemas.microsoft.com/office/powerpoint/2012/main"/>
     </p:ext>
   </p:extLst>
 </p:presentation>
@@ -171,10 +171,10 @@
           </c:spPr>
           <c:xVal>
             <c:numRef>
-              <c:f>'Capstone3.DigitRecognition_CNN.'!$K$2:$K$12</c:f>
+              <c:f>'Capstone3.DigitRecognition_CNN.'!$K$2:$K$13</c:f>
               <c:numCache>
                 <c:formatCode>General</c:formatCode>
-                <c:ptCount val="11"/>
+                <c:ptCount val="12"/>
                 <c:pt idx="0">
                   <c:v>0.97519999999999996</c:v>
                 </c:pt>
@@ -206,6 +206,9 @@
                   <c:v>0.9768</c:v>
                 </c:pt>
                 <c:pt idx="10">
+                  <c:v>0.9738</c:v>
+                </c:pt>
+                <c:pt idx="11">
                   <c:v>0.97289999999999999</c:v>
                 </c:pt>
               </c:numCache>
@@ -213,18 +216,18 @@
           </c:xVal>
           <c:yVal>
             <c:numRef>
-              <c:f>'Capstone3.DigitRecognition_CNN.'!$M$2:$M$12</c:f>
+              <c:f>'Capstone3.DigitRecognition_CNN.'!$M$2:$M$13</c:f>
               <c:numCache>
                 <c:formatCode>General</c:formatCode>
-                <c:ptCount val="11"/>
+                <c:ptCount val="12"/>
                 <c:pt idx="0">
                   <c:v>0.69399999999999995</c:v>
                 </c:pt>
                 <c:pt idx="1">
-                  <c:v>0.57333299999999998</c:v>
+                  <c:v>0.59</c:v>
                 </c:pt>
                 <c:pt idx="2">
-                  <c:v>0.56666700000000003</c:v>
+                  <c:v>0.56999999999999995</c:v>
                 </c:pt>
                 <c:pt idx="3">
                   <c:v>0.625</c:v>
@@ -248,7 +251,10 @@
                   <c:v>0.96599999999999997</c:v>
                 </c:pt>
                 <c:pt idx="10">
-                  <c:v>0.593333</c:v>
+                  <c:v>0.93400000000000005</c:v>
+                </c:pt>
+                <c:pt idx="11">
+                  <c:v>0.58799999999999997</c:v>
                 </c:pt>
               </c:numCache>
             </c:numRef>
@@ -263,11 +269,11 @@
           <c:showPercent val="0"/>
           <c:showBubbleSize val="0"/>
         </c:dLbls>
-        <c:axId val="102907904"/>
-        <c:axId val="50720704"/>
+        <c:axId val="54460416"/>
+        <c:axId val="54464448"/>
       </c:scatterChart>
       <c:valAx>
-        <c:axId val="102907904"/>
+        <c:axId val="54460416"/>
         <c:scaling>
           <c:orientation val="minMax"/>
           <c:max val="1"/>
@@ -299,12 +305,29 @@
         <c:majorTickMark val="out"/>
         <c:minorTickMark val="none"/>
         <c:tickLblPos val="nextTo"/>
-        <c:crossAx val="50720704"/>
+        <c:txPr>
+          <a:bodyPr rot="0" vert="horz"/>
+          <a:lstStyle/>
+          <a:p>
+            <a:pPr>
+              <a:defRPr sz="1000" b="0" i="0" u="none" strike="noStrike" baseline="0">
+                <a:solidFill>
+                  <a:srgbClr val="000000"/>
+                </a:solidFill>
+                <a:latin typeface="Calibri"/>
+                <a:ea typeface="Calibri"/>
+                <a:cs typeface="Calibri"/>
+              </a:defRPr>
+            </a:pPr>
+            <a:endParaRPr lang="en-US"/>
+          </a:p>
+        </c:txPr>
+        <c:crossAx val="54464448"/>
         <c:crosses val="autoZero"/>
         <c:crossBetween val="midCat"/>
       </c:valAx>
       <c:valAx>
-        <c:axId val="50720704"/>
+        <c:axId val="54464448"/>
         <c:scaling>
           <c:orientation val="minMax"/>
         </c:scaling>
@@ -335,7 +358,7 @@
         <c:majorTickMark val="out"/>
         <c:minorTickMark val="none"/>
         <c:tickLblPos val="nextTo"/>
-        <c:crossAx val="102907904"/>
+        <c:crossAx val="54460416"/>
         <c:crosses val="autoZero"/>
         <c:crossBetween val="midCat"/>
         <c:majorUnit val="0.2"/>
@@ -392,10 +415,10 @@
           </c:spPr>
           <c:xVal>
             <c:numRef>
-              <c:f>'Capstone3.DigitRecognition_CNN.'!$J$2:$J$12</c:f>
+              <c:f>'Capstone3.DigitRecognition_CNN.'!$J$2:$J$13</c:f>
               <c:numCache>
                 <c:formatCode>General</c:formatCode>
-                <c:ptCount val="11"/>
+                <c:ptCount val="12"/>
                 <c:pt idx="0">
                   <c:v>0.27216299999999999</c:v>
                 </c:pt>
@@ -427,6 +450,9 @@
                   <c:v>0.241012</c:v>
                 </c:pt>
                 <c:pt idx="10">
+                  <c:v>0.26414399999999999</c:v>
+                </c:pt>
+                <c:pt idx="11">
                   <c:v>0.38066899999999998</c:v>
                 </c:pt>
               </c:numCache>
@@ -434,18 +460,18 @@
           </c:xVal>
           <c:yVal>
             <c:numRef>
-              <c:f>'Capstone3.DigitRecognition_CNN.'!$M$2:$M$12</c:f>
+              <c:f>'Capstone3.DigitRecognition_CNN.'!$M$2:$M$13</c:f>
               <c:numCache>
                 <c:formatCode>General</c:formatCode>
-                <c:ptCount val="11"/>
+                <c:ptCount val="12"/>
                 <c:pt idx="0">
                   <c:v>0.69399999999999995</c:v>
                 </c:pt>
                 <c:pt idx="1">
-                  <c:v>0.57333299999999998</c:v>
+                  <c:v>0.59</c:v>
                 </c:pt>
                 <c:pt idx="2">
-                  <c:v>0.56666700000000003</c:v>
+                  <c:v>0.56999999999999995</c:v>
                 </c:pt>
                 <c:pt idx="3">
                   <c:v>0.625</c:v>
@@ -469,7 +495,10 @@
                   <c:v>0.96599999999999997</c:v>
                 </c:pt>
                 <c:pt idx="10">
-                  <c:v>0.593333</c:v>
+                  <c:v>0.93400000000000005</c:v>
+                </c:pt>
+                <c:pt idx="11">
+                  <c:v>0.58799999999999997</c:v>
                 </c:pt>
               </c:numCache>
             </c:numRef>
@@ -484,11 +513,11 @@
           <c:showPercent val="0"/>
           <c:showBubbleSize val="0"/>
         </c:dLbls>
-        <c:axId val="50717824"/>
-        <c:axId val="50719552"/>
+        <c:axId val="54465600"/>
+        <c:axId val="54466176"/>
       </c:scatterChart>
       <c:valAx>
-        <c:axId val="50717824"/>
+        <c:axId val="54465600"/>
         <c:scaling>
           <c:orientation val="minMax"/>
           <c:max val="2.5"/>
@@ -520,12 +549,29 @@
         <c:majorTickMark val="out"/>
         <c:minorTickMark val="none"/>
         <c:tickLblPos val="nextTo"/>
-        <c:crossAx val="50719552"/>
+        <c:txPr>
+          <a:bodyPr rot="0" vert="horz"/>
+          <a:lstStyle/>
+          <a:p>
+            <a:pPr>
+              <a:defRPr sz="1000" b="0" i="0" u="none" strike="noStrike" baseline="0">
+                <a:solidFill>
+                  <a:srgbClr val="000000"/>
+                </a:solidFill>
+                <a:latin typeface="Calibri"/>
+                <a:ea typeface="Calibri"/>
+                <a:cs typeface="Calibri"/>
+              </a:defRPr>
+            </a:pPr>
+            <a:endParaRPr lang="en-US"/>
+          </a:p>
+        </c:txPr>
+        <c:crossAx val="54466176"/>
         <c:crosses val="autoZero"/>
         <c:crossBetween val="midCat"/>
       </c:valAx>
       <c:valAx>
-        <c:axId val="50719552"/>
+        <c:axId val="54466176"/>
         <c:scaling>
           <c:orientation val="minMax"/>
           <c:max val="1"/>
@@ -558,7 +604,7 @@
         <c:majorTickMark val="out"/>
         <c:minorTickMark val="none"/>
         <c:tickLblPos val="nextTo"/>
-        <c:crossAx val="50717824"/>
+        <c:crossAx val="54465600"/>
         <c:crosses val="autoZero"/>
         <c:crossBetween val="midCat"/>
       </c:valAx>
@@ -704,7 +750,7 @@
           <a:p>
             <a:fld id="{846CE7D5-CF57-46EF-B807-FDD0502418D4}" type="datetimeFigureOut">
               <a:rPr lang="en-US" smtClean="0"/>
-              <a:t>3/23/2022</a:t>
+              <a:t>3/29/2022</a:t>
             </a:fld>
             <a:endParaRPr lang="en-US" dirty="0"/>
           </a:p>
@@ -874,7 +920,7 @@
           <a:p>
             <a:fld id="{846CE7D5-CF57-46EF-B807-FDD0502418D4}" type="datetimeFigureOut">
               <a:rPr lang="en-US" smtClean="0"/>
-              <a:t>3/23/2022</a:t>
+              <a:t>3/29/2022</a:t>
             </a:fld>
             <a:endParaRPr lang="en-US" dirty="0"/>
           </a:p>
@@ -1054,7 +1100,7 @@
           <a:p>
             <a:fld id="{846CE7D5-CF57-46EF-B807-FDD0502418D4}" type="datetimeFigureOut">
               <a:rPr lang="en-US" smtClean="0"/>
-              <a:t>3/23/2022</a:t>
+              <a:t>3/29/2022</a:t>
             </a:fld>
             <a:endParaRPr lang="en-US" dirty="0"/>
           </a:p>
@@ -1224,7 +1270,7 @@
           <a:p>
             <a:fld id="{846CE7D5-CF57-46EF-B807-FDD0502418D4}" type="datetimeFigureOut">
               <a:rPr lang="en-US" smtClean="0"/>
-              <a:t>3/23/2022</a:t>
+              <a:t>3/29/2022</a:t>
             </a:fld>
             <a:endParaRPr lang="en-US" dirty="0"/>
           </a:p>
@@ -1470,7 +1516,7 @@
           <a:p>
             <a:fld id="{846CE7D5-CF57-46EF-B807-FDD0502418D4}" type="datetimeFigureOut">
               <a:rPr lang="en-US" smtClean="0"/>
-              <a:t>3/23/2022</a:t>
+              <a:t>3/29/2022</a:t>
             </a:fld>
             <a:endParaRPr lang="en-US" dirty="0"/>
           </a:p>
@@ -1702,7 +1748,7 @@
           <a:p>
             <a:fld id="{846CE7D5-CF57-46EF-B807-FDD0502418D4}" type="datetimeFigureOut">
               <a:rPr lang="en-US" smtClean="0"/>
-              <a:t>3/23/2022</a:t>
+              <a:t>3/29/2022</a:t>
             </a:fld>
             <a:endParaRPr lang="en-US" dirty="0"/>
           </a:p>
@@ -2069,7 +2115,7 @@
           <a:p>
             <a:fld id="{846CE7D5-CF57-46EF-B807-FDD0502418D4}" type="datetimeFigureOut">
               <a:rPr lang="en-US" smtClean="0"/>
-              <a:t>3/23/2022</a:t>
+              <a:t>3/29/2022</a:t>
             </a:fld>
             <a:endParaRPr lang="en-US" dirty="0"/>
           </a:p>
@@ -2187,7 +2233,7 @@
           <a:p>
             <a:fld id="{846CE7D5-CF57-46EF-B807-FDD0502418D4}" type="datetimeFigureOut">
               <a:rPr lang="en-US" smtClean="0"/>
-              <a:t>3/23/2022</a:t>
+              <a:t>3/29/2022</a:t>
             </a:fld>
             <a:endParaRPr lang="en-US" dirty="0"/>
           </a:p>
@@ -2282,7 +2328,7 @@
           <a:p>
             <a:fld id="{846CE7D5-CF57-46EF-B807-FDD0502418D4}" type="datetimeFigureOut">
               <a:rPr lang="en-US" smtClean="0"/>
-              <a:t>3/23/2022</a:t>
+              <a:t>3/29/2022</a:t>
             </a:fld>
             <a:endParaRPr lang="en-US" dirty="0"/>
           </a:p>
@@ -2559,7 +2605,7 @@
           <a:p>
             <a:fld id="{846CE7D5-CF57-46EF-B807-FDD0502418D4}" type="datetimeFigureOut">
               <a:rPr lang="en-US" smtClean="0"/>
-              <a:t>3/23/2022</a:t>
+              <a:t>3/29/2022</a:t>
             </a:fld>
             <a:endParaRPr lang="en-US" dirty="0"/>
           </a:p>
@@ -2815,7 +2861,7 @@
           <a:p>
             <a:fld id="{846CE7D5-CF57-46EF-B807-FDD0502418D4}" type="datetimeFigureOut">
               <a:rPr lang="en-US" smtClean="0"/>
-              <a:t>3/23/2022</a:t>
+              <a:t>3/29/2022</a:t>
             </a:fld>
             <a:endParaRPr lang="en-US" dirty="0"/>
           </a:p>
@@ -3028,7 +3074,7 @@
           <a:p>
             <a:fld id="{846CE7D5-CF57-46EF-B807-FDD0502418D4}" type="datetimeFigureOut">
               <a:rPr lang="en-US" smtClean="0"/>
-              <a:t>3/23/2022</a:t>
+              <a:t>3/29/2022</a:t>
             </a:fld>
             <a:endParaRPr lang="en-US" dirty="0"/>
           </a:p>
@@ -3475,28 +3521,14 @@
                 <a:ea typeface="Calibri Light"/>
                 <a:cs typeface="Calibri Light"/>
               </a:rPr>
-              <a:t> </a:t>
-            </a:r>
-            <a:r>
-              <a:rPr lang="en-US" sz="3000" dirty="0">
-                <a:ea typeface="Calibri Light"/>
-                <a:cs typeface="Calibri Light"/>
-              </a:rPr>
-              <a:t>Recognize handwritten </a:t>
+              <a:t> Recognize handwritten </a:t>
             </a:r>
             <a:r>
               <a:rPr lang="en-US" sz="3000" dirty="0" smtClean="0">
                 <a:ea typeface="Calibri Light"/>
                 <a:cs typeface="Calibri Light"/>
               </a:rPr>
-              <a:t>digits</a:t>
-            </a:r>
-            <a:r>
-              <a:rPr lang="en-US" sz="3000" dirty="0" smtClean="0">
-                <a:ea typeface="Calibri Light"/>
-                <a:cs typeface="Calibri Light"/>
-              </a:rPr>
-              <a:t> (</a:t>
+              <a:t>digits (</a:t>
             </a:r>
             <a:r>
               <a:rPr lang="en-US" sz="3200" dirty="0"/>
@@ -3605,11 +3637,7 @@
             </a:r>
             <a:r>
               <a:rPr lang="en-US" sz="2800" dirty="0"/>
-              <a:t>Images used for training may not reflect handwriting styles of the users. CNN model training takes several hours</a:t>
-            </a:r>
-            <a:r>
-              <a:rPr lang="en-US" sz="2800" dirty="0"/>
-              <a:t>. </a:t>
+              <a:t>Images used for training may not reflect handwriting styles of the users. CNN model training takes several hours. </a:t>
             </a:r>
             <a:r>
               <a:rPr lang="en-US" sz="2800" dirty="0" smtClean="0"/>
@@ -3718,7 +3746,7 @@
           <p:cNvPr id="4" name="TextBox 3">
             <a:extLst>
               <a:ext uri="{FF2B5EF4-FFF2-40B4-BE49-F238E27FC236}">
-                <a16:creationId xmlns:a16="http://schemas.microsoft.com/office/drawing/2014/main" xmlns="" id="{52418A42-13BD-986D-8161-7E3BBDF1AE51}"/>
+                <a16:creationId xmlns="" xmlns:a16="http://schemas.microsoft.com/office/drawing/2014/main" id="{52418A42-13BD-986D-8161-7E3BBDF1AE51}"/>
               </a:ext>
             </a:extLst>
           </p:cNvPr>
@@ -3761,7 +3789,7 @@
           <p:cNvPr id="5" name="Picture 5" descr="A picture containing text, clipart&#10;&#10;Description automatically generated">
             <a:extLst>
               <a:ext uri="{FF2B5EF4-FFF2-40B4-BE49-F238E27FC236}">
-                <a16:creationId xmlns:a16="http://schemas.microsoft.com/office/drawing/2014/main" xmlns="" id="{A89AD737-0927-091F-7EFF-EE578DFD768A}"/>
+                <a16:creationId xmlns="" xmlns:a16="http://schemas.microsoft.com/office/drawing/2014/main" id="{A89AD737-0927-091F-7EFF-EE578DFD768A}"/>
               </a:ext>
             </a:extLst>
           </p:cNvPr>
@@ -4183,7 +4211,7 @@
           <p:cNvPr id="4" name="TextBox 3">
             <a:extLst>
               <a:ext uri="{FF2B5EF4-FFF2-40B4-BE49-F238E27FC236}">
-                <a16:creationId xmlns:a16="http://schemas.microsoft.com/office/drawing/2014/main" xmlns="" id="{52418A42-13BD-986D-8161-7E3BBDF1AE51}"/>
+                <a16:creationId xmlns="" xmlns:a16="http://schemas.microsoft.com/office/drawing/2014/main" id="{52418A42-13BD-986D-8161-7E3BBDF1AE51}"/>
               </a:ext>
             </a:extLst>
           </p:cNvPr>
@@ -5092,7 +5120,7 @@
         </p:nvGraphicFramePr>
         <p:xfrm>
           <a:off x="792399" y="3602035"/>
-          <a:ext cx="2712720" cy="857250"/>
+          <a:ext cx="2712720" cy="896940"/>
         </p:xfrm>
         <a:graphic>
           <a:graphicData uri="http://schemas.openxmlformats.org/drawingml/2006/table">
@@ -5776,7 +5804,7 @@
         </p:nvGraphicFramePr>
         <p:xfrm>
           <a:off x="345894" y="4839882"/>
-          <a:ext cx="3977640" cy="1722438"/>
+          <a:ext cx="3977640" cy="1793879"/>
         </p:xfrm>
         <a:graphic>
           <a:graphicData uri="http://schemas.openxmlformats.org/drawingml/2006/table">
@@ -8088,7 +8116,7 @@
           <p:cNvPr id="4" name="TextBox 3">
             <a:extLst>
               <a:ext uri="{FF2B5EF4-FFF2-40B4-BE49-F238E27FC236}">
-                <a16:creationId xmlns:a16="http://schemas.microsoft.com/office/drawing/2014/main" xmlns="" id="{52418A42-13BD-986D-8161-7E3BBDF1AE51}"/>
+                <a16:creationId xmlns="" xmlns:a16="http://schemas.microsoft.com/office/drawing/2014/main" id="{52418A42-13BD-986D-8161-7E3BBDF1AE51}"/>
               </a:ext>
             </a:extLst>
           </p:cNvPr>
@@ -8296,7 +8324,7 @@
           <p:cNvPr id="10" name="TextBox 9">
             <a:extLst>
               <a:ext uri="{FF2B5EF4-FFF2-40B4-BE49-F238E27FC236}">
-                <a16:creationId xmlns:a16="http://schemas.microsoft.com/office/drawing/2014/main" xmlns="" id="{52418A42-13BD-986D-8161-7E3BBDF1AE51}"/>
+                <a16:creationId xmlns="" xmlns:a16="http://schemas.microsoft.com/office/drawing/2014/main" id="{52418A42-13BD-986D-8161-7E3BBDF1AE51}"/>
               </a:ext>
             </a:extLst>
           </p:cNvPr>
@@ -8804,7 +8832,6 @@
                         <a:rPr lang="en-GB" dirty="0" smtClean="0"/>
                         <a:t>(None, 10)</a:t>
                       </a:r>
-                      <a:endParaRPr lang="en-GB" dirty="0" smtClean="0"/>
                     </a:p>
                   </a:txBody>
                   <a:tcPr/>
@@ -8833,7 +8860,7 @@
           <p:cNvPr id="12" name="TextBox 11">
             <a:extLst>
               <a:ext uri="{FF2B5EF4-FFF2-40B4-BE49-F238E27FC236}">
-                <a16:creationId xmlns:a16="http://schemas.microsoft.com/office/drawing/2014/main" xmlns="" id="{52418A42-13BD-986D-8161-7E3BBDF1AE51}"/>
+                <a16:creationId xmlns="" xmlns:a16="http://schemas.microsoft.com/office/drawing/2014/main" id="{52418A42-13BD-986D-8161-7E3BBDF1AE51}"/>
               </a:ext>
             </a:extLst>
           </p:cNvPr>
@@ -9362,7 +9389,6 @@
               <a:rPr lang="en-GB" dirty="0"/>
               <a:t>Press “Recognise” and see the predicted class and its probability.</a:t>
             </a:r>
-            <a:endParaRPr lang="en-GB" dirty="0"/>
           </a:p>
         </p:txBody>
       </p:sp>
@@ -9620,7 +9646,6 @@
               <a:rPr lang="en-GB" dirty="0"/>
               <a:t>will be concatenated with the MNIST data before next training cycle.</a:t>
             </a:r>
-            <a:endParaRPr lang="en-GB" dirty="0"/>
           </a:p>
         </p:txBody>
       </p:sp>
@@ -9689,7 +9714,6 @@
               <a:rPr lang="en-GB" dirty="0"/>
               <a:t>in correct label and press "Get label" button to add the label to train set.</a:t>
             </a:r>
-            <a:endParaRPr lang="en-GB" dirty="0"/>
           </a:p>
         </p:txBody>
       </p:sp>
@@ -10112,7 +10136,7 @@
       </p:sp>
       <p:pic>
         <p:nvPicPr>
-          <p:cNvPr id="7" name="Picture 6" descr="C:\Sereda\Lectures\Springboard\Projects\DigitRecognition_CNN\fig\accuracy.nn_50_d0.0_50_ml0_e200.neurons.png"/>
+          <p:cNvPr id="7" name="Picture 6"/>
           <p:cNvPicPr/>
           <p:nvPr/>
         </p:nvPicPr>
@@ -10124,15 +10148,14 @@
               </a:ext>
             </a:extLst>
           </a:blip>
-          <a:srcRect/>
           <a:stretch>
             <a:fillRect/>
           </a:stretch>
         </p:blipFill>
         <p:spPr bwMode="auto">
           <a:xfrm>
-            <a:off x="392042" y="3147994"/>
-            <a:ext cx="3676191" cy="2647619"/>
+            <a:off x="392042" y="3178156"/>
+            <a:ext cx="3676191" cy="2587294"/>
           </a:xfrm>
           <a:prstGeom prst="rect">
             <a:avLst/>
@@ -10370,7 +10393,7 @@
         <p:spPr>
           <a:xfrm>
             <a:off x="7816362" y="3147663"/>
-            <a:ext cx="3762375" cy="2647950"/>
+            <a:ext cx="3762374" cy="2647950"/>
           </a:xfrm>
           <a:prstGeom prst="rect">
             <a:avLst/>
@@ -10435,7 +10458,11 @@
             </a:r>
             <a:r>
               <a:rPr lang="en-US" dirty="0"/>
-              <a:t>to 0.593333.</a:t>
+              <a:t>to </a:t>
+            </a:r>
+            <a:r>
+              <a:rPr lang="en-US" dirty="0" smtClean="0"/>
+              <a:t>0.588.</a:t>
             </a:r>
             <a:endParaRPr lang="en-GB" dirty="0"/>
           </a:p>
@@ -11063,7 +11090,15 @@
             </a:r>
             <a:r>
               <a:rPr lang="en-US" dirty="0"/>
-              <a:t>, training accuracy is not a reliable metric of actual performance</a:t>
+              <a:t>, </a:t>
+            </a:r>
+            <a:r>
+              <a:rPr lang="en-US" dirty="0" smtClean="0"/>
+              <a:t>test </a:t>
+            </a:r>
+            <a:r>
+              <a:rPr lang="en-US" dirty="0"/>
+              <a:t>accuracy is not a reliable metric of actual performance</a:t>
             </a:r>
             <a:r>
               <a:rPr lang="en-US" dirty="0" smtClean="0"/>
@@ -11222,20 +11257,20 @@
       </p:sp>
       <p:graphicFrame>
         <p:nvGraphicFramePr>
-          <p:cNvPr id="20" name="Chart 19"/>
+          <p:cNvPr id="8" name="Chart 7"/>
           <p:cNvGraphicFramePr>
             <a:graphicFrameLocks/>
           </p:cNvGraphicFramePr>
           <p:nvPr>
             <p:extLst>
               <p:ext uri="{D42A27DB-BD31-4B8C-83A1-F6EECF244321}">
-                <p14:modId xmlns:p14="http://schemas.microsoft.com/office/powerpoint/2010/main" val="270650245"/>
+                <p14:modId xmlns:p14="http://schemas.microsoft.com/office/powerpoint/2010/main" val="303152988"/>
               </p:ext>
             </p:extLst>
           </p:nvPr>
         </p:nvGraphicFramePr>
         <p:xfrm>
-          <a:off x="930067" y="1965533"/>
+          <a:off x="1184287" y="1965533"/>
           <a:ext cx="4572000" cy="2743200"/>
         </p:xfrm>
         <a:graphic>
@@ -11246,20 +11281,20 @@
       </p:graphicFrame>
       <p:graphicFrame>
         <p:nvGraphicFramePr>
-          <p:cNvPr id="22" name="Chart 21"/>
+          <p:cNvPr id="10" name="Chart 9"/>
           <p:cNvGraphicFramePr>
             <a:graphicFrameLocks/>
           </p:cNvGraphicFramePr>
           <p:nvPr>
             <p:extLst>
               <p:ext uri="{D42A27DB-BD31-4B8C-83A1-F6EECF244321}">
-                <p14:modId xmlns:p14="http://schemas.microsoft.com/office/powerpoint/2010/main" val="235600741"/>
+                <p14:modId xmlns:p14="http://schemas.microsoft.com/office/powerpoint/2010/main" val="1026730830"/>
               </p:ext>
             </p:extLst>
           </p:nvPr>
         </p:nvGraphicFramePr>
         <p:xfrm>
-          <a:off x="5929357" y="1965533"/>
+          <a:off x="6177186" y="1965533"/>
           <a:ext cx="4572000" cy="2743200"/>
         </p:xfrm>
         <a:graphic>
@@ -12932,8 +12967,8 @@
         </p:nvSpPr>
         <p:spPr>
           <a:xfrm>
-            <a:off x="612365" y="4236950"/>
-            <a:ext cx="5139036" cy="646331"/>
+            <a:off x="322703" y="4236950"/>
+            <a:ext cx="5718361" cy="646331"/>
           </a:xfrm>
           <a:prstGeom prst="rect">
             <a:avLst/>
@@ -12949,7 +12984,11 @@
             <a:pPr algn="ctr"/>
             <a:r>
               <a:rPr lang="en-US" dirty="0" smtClean="0"/>
-              <a:t>Optimizer ‘</a:t>
+              <a:t>Best optimizer </a:t>
+            </a:r>
+            <a:r>
+              <a:rPr lang="en-US" dirty="0" smtClean="0"/>
+              <a:t>‘</a:t>
             </a:r>
             <a:r>
               <a:rPr lang="en-US" dirty="0"/>
@@ -13593,7 +13632,7 @@
   <a:extraClrSchemeLst/>
   <a:extLst>
     <a:ext uri="{05A4C25C-085E-4340-85A3-A5531E510DB2}">
-      <thm15:themeFamily xmlns:thm15="http://schemas.microsoft.com/office/thememl/2012/main" xmlns="" name="Office Theme" id="{62F939B6-93AF-4DB8-9C6B-D6C7DFDC589F}" vid="{4A3C46E8-61CC-4603-A589-7422A47A8E4A}"/>
+      <thm15:themeFamily xmlns="" xmlns:thm15="http://schemas.microsoft.com/office/thememl/2012/main" name="Office Theme" id="{62F939B6-93AF-4DB8-9C6B-D6C7DFDC589F}" vid="{4A3C46E8-61CC-4603-A589-7422A47A8E4A}"/>
     </a:ext>
   </a:extLst>
 </a:theme>
